--- a/doc/SPIDER.pptx
+++ b/doc/SPIDER.pptx
@@ -2732,7 +2732,7 @@
               <a:pPr>
                 <a:defRPr/>
               </a:pPr>
-              <a:t>5/27/2016</a:t>
+              <a:t>6/3/2016</a:t>
             </a:fld>
             <a:endParaRPr lang="en-US" dirty="0"/>
           </a:p>
@@ -3055,7 +3055,7 @@
               <a:pPr>
                 <a:defRPr/>
               </a:pPr>
-              <a:t>5/27/2016</a:t>
+              <a:t>6/3/2016</a:t>
             </a:fld>
             <a:endParaRPr lang="en-US" dirty="0"/>
           </a:p>
@@ -3331,7 +3331,7 @@
               <a:pPr>
                 <a:defRPr/>
               </a:pPr>
-              <a:t>5/27/2016</a:t>
+              <a:t>6/3/2016</a:t>
             </a:fld>
             <a:endParaRPr lang="en-US" dirty="0"/>
           </a:p>
@@ -3911,7 +3911,7 @@
               <a:pPr>
                 <a:defRPr/>
               </a:pPr>
-              <a:t>5/27/2016</a:t>
+              <a:t>6/3/2016</a:t>
             </a:fld>
             <a:endParaRPr lang="en-US" dirty="0"/>
           </a:p>
@@ -4185,7 +4185,7 @@
               <a:pPr>
                 <a:defRPr/>
               </a:pPr>
-              <a:t>5/27/2016</a:t>
+              <a:t>6/3/2016</a:t>
             </a:fld>
             <a:endParaRPr lang="en-US" dirty="0"/>
           </a:p>
@@ -4752,7 +4752,7 @@
               <a:pPr>
                 <a:defRPr/>
               </a:pPr>
-              <a:t>5/27/2016</a:t>
+              <a:t>6/3/2016</a:t>
             </a:fld>
             <a:endParaRPr lang="en-US" dirty="0"/>
           </a:p>
@@ -5068,7 +5068,7 @@
               <a:pPr>
                 <a:defRPr/>
               </a:pPr>
-              <a:t>5/27/2016</a:t>
+              <a:t>6/3/2016</a:t>
             </a:fld>
             <a:endParaRPr lang="en-US" dirty="0"/>
           </a:p>
@@ -5272,7 +5272,7 @@
               <a:pPr>
                 <a:defRPr/>
               </a:pPr>
-              <a:t>5/27/2016</a:t>
+              <a:t>6/3/2016</a:t>
             </a:fld>
             <a:endParaRPr lang="en-US" dirty="0"/>
           </a:p>
@@ -5482,7 +5482,7 @@
               <a:pPr>
                 <a:defRPr/>
               </a:pPr>
-              <a:t>5/27/2016</a:t>
+              <a:t>6/3/2016</a:t>
             </a:fld>
             <a:endParaRPr lang="en-US" dirty="0"/>
           </a:p>
@@ -5930,7 +5930,7 @@
               <a:pPr>
                 <a:defRPr/>
               </a:pPr>
-              <a:t>5/27/2016</a:t>
+              <a:t>6/3/2016</a:t>
             </a:fld>
             <a:endParaRPr lang="en-US" dirty="0"/>
           </a:p>
@@ -6207,7 +6207,7 @@
               <a:pPr>
                 <a:defRPr/>
               </a:pPr>
-              <a:t>5/27/2016</a:t>
+              <a:t>6/3/2016</a:t>
             </a:fld>
             <a:endParaRPr lang="en-US" dirty="0"/>
           </a:p>
@@ -6530,7 +6530,7 @@
               <a:pPr>
                 <a:defRPr/>
               </a:pPr>
-              <a:t>5/27/2016</a:t>
+              <a:t>6/3/2016</a:t>
             </a:fld>
             <a:endParaRPr lang="en-US" dirty="0"/>
           </a:p>
@@ -6998,7 +6998,7 @@
               <a:pPr>
                 <a:defRPr/>
               </a:pPr>
-              <a:t>5/27/2016</a:t>
+              <a:t>6/3/2016</a:t>
             </a:fld>
             <a:endParaRPr lang="en-US" dirty="0"/>
           </a:p>
@@ -7146,7 +7146,7 @@
               <a:pPr>
                 <a:defRPr/>
               </a:pPr>
-              <a:t>5/27/2016</a:t>
+              <a:t>6/3/2016</a:t>
             </a:fld>
             <a:endParaRPr lang="en-US" dirty="0"/>
           </a:p>
@@ -7271,7 +7271,7 @@
               <a:pPr>
                 <a:defRPr/>
               </a:pPr>
-              <a:t>5/27/2016</a:t>
+              <a:t>6/3/2016</a:t>
             </a:fld>
             <a:endParaRPr lang="en-US" dirty="0"/>
           </a:p>
@@ -7580,7 +7580,7 @@
               <a:pPr>
                 <a:defRPr/>
               </a:pPr>
-              <a:t>5/27/2016</a:t>
+              <a:t>6/3/2016</a:t>
             </a:fld>
             <a:endParaRPr lang="en-US" dirty="0"/>
           </a:p>
@@ -7900,7 +7900,7 @@
               <a:pPr>
                 <a:defRPr/>
               </a:pPr>
-              <a:t>5/27/2016</a:t>
+              <a:t>6/3/2016</a:t>
             </a:fld>
             <a:endParaRPr lang="en-US" dirty="0"/>
           </a:p>
@@ -8577,7 +8577,7 @@
               <a:pPr>
                 <a:defRPr/>
               </a:pPr>
-              <a:t>5/27/2016</a:t>
+              <a:t>6/3/2016</a:t>
             </a:fld>
             <a:endParaRPr lang="en-US" dirty="0"/>
           </a:p>
@@ -9360,13 +9360,7 @@
               <a:rPr lang="it" dirty="0" smtClean="0">
                 <a:latin typeface="Cabrito Semi Norm Light" panose="02000503040000020004" pitchFamily="50" charset="0"/>
               </a:rPr>
-              <a:t>Classe fondamentale con </a:t>
-            </a:r>
-            <a:r>
-              <a:rPr lang="it" dirty="0" smtClean="0">
-                <a:latin typeface="Cabrito Semi Norm Light" panose="02000503040000020004" pitchFamily="50" charset="0"/>
-              </a:rPr>
-              <a:t>il compito </a:t>
+              <a:t>Classe fondamentale con il compito </a:t>
             </a:r>
             <a:r>
               <a:rPr lang="it" dirty="0">
@@ -9542,8 +9536,8 @@
         </p:blipFill>
         <p:spPr bwMode="auto">
           <a:xfrm>
-            <a:off x="1436688" y="1192213"/>
-            <a:ext cx="7107237" cy="3260725"/>
+            <a:off x="1325111" y="1200526"/>
+            <a:ext cx="7185563" cy="3296660"/>
           </a:xfrm>
           <a:prstGeom prst="rect">
             <a:avLst/>
@@ -11295,17 +11289,8 @@
               <a:rPr lang="it-IT" altLang="it-IT" dirty="0" smtClean="0">
                 <a:latin typeface="Cabrito Semi Norm Light" panose="02000503040000020004" pitchFamily="50" charset="0"/>
               </a:rPr>
-              <a:t>Realizzare uno spider </a:t>
-            </a:r>
-            <a:r>
-              <a:rPr lang="it-IT" altLang="it-IT" dirty="0" smtClean="0">
-                <a:latin typeface="Cabrito Semi Norm Light" panose="02000503040000020004" pitchFamily="50" charset="0"/>
-              </a:rPr>
-              <a:t>che:</a:t>
-            </a:r>
-            <a:endParaRPr lang="it-IT" altLang="it-IT" dirty="0" smtClean="0">
-              <a:latin typeface="Cabrito Semi Norm Light" panose="02000503040000020004" pitchFamily="50" charset="0"/>
-            </a:endParaRPr>
+              <a:t>Realizzare uno spider che:</a:t>
+            </a:r>
           </a:p>
           <a:p>
             <a:pPr marL="514350" indent="-285750" eaLnBrk="1" hangingPunct="1">
@@ -11320,37 +11305,7 @@
               <a:rPr lang="it-IT" altLang="it-IT" dirty="0" smtClean="0">
                 <a:latin typeface="Cabrito Semi Norm Light" panose="02000503040000020004" pitchFamily="50" charset="0"/>
               </a:rPr>
-              <a:t>conta </a:t>
-            </a:r>
-            <a:r>
-              <a:rPr lang="it-IT" altLang="it-IT" dirty="0" smtClean="0">
-                <a:latin typeface="Cabrito Semi Norm Light" panose="02000503040000020004" pitchFamily="50" charset="0"/>
-              </a:rPr>
-              <a:t>le </a:t>
-            </a:r>
-            <a:r>
-              <a:rPr lang="it-IT" altLang="it-IT" dirty="0" smtClean="0">
-                <a:latin typeface="Cabrito Semi Norm Light" panose="02000503040000020004" pitchFamily="50" charset="0"/>
-              </a:rPr>
-              <a:t>hit di </a:t>
-            </a:r>
-            <a:r>
-              <a:rPr lang="it-IT" altLang="it-IT" dirty="0" smtClean="0">
-                <a:latin typeface="Cabrito Semi Norm Light" panose="02000503040000020004" pitchFamily="50" charset="0"/>
-              </a:rPr>
-              <a:t>determinati </a:t>
-            </a:r>
-            <a:r>
-              <a:rPr lang="it-IT" altLang="it-IT" dirty="0" smtClean="0">
-                <a:latin typeface="Cabrito Semi Norm Light" panose="02000503040000020004" pitchFamily="50" charset="0"/>
-              </a:rPr>
-              <a:t>professori </a:t>
-            </a:r>
-            <a:r>
-              <a:rPr lang="it-IT" altLang="it-IT" dirty="0" smtClean="0">
-                <a:latin typeface="Cabrito Semi Norm Light" panose="02000503040000020004" pitchFamily="50" charset="0"/>
-              </a:rPr>
-              <a:t>su internet</a:t>
+              <a:t>conta le hit di determinati professori su internet</a:t>
             </a:r>
           </a:p>
           <a:p>
@@ -11366,13 +11321,7 @@
               <a:rPr lang="it-IT" altLang="it-IT" dirty="0" smtClean="0">
                 <a:latin typeface="Cabrito Semi Norm Light" panose="02000503040000020004" pitchFamily="50" charset="0"/>
               </a:rPr>
-              <a:t>realizza </a:t>
-            </a:r>
-            <a:r>
-              <a:rPr lang="it-IT" altLang="it-IT" dirty="0" smtClean="0">
-                <a:latin typeface="Cabrito Semi Norm Light" panose="02000503040000020004" pitchFamily="50" charset="0"/>
-              </a:rPr>
-              <a:t>una classifica dei professori più citati sul web</a:t>
+              <a:t>realizza una classifica dei professori più citati sul web</a:t>
             </a:r>
           </a:p>
         </p:txBody>
@@ -11698,8 +11647,8 @@
         </p:nvSpPr>
         <p:spPr>
           <a:xfrm>
-            <a:off x="3614737" y="1534149"/>
-            <a:ext cx="1914525" cy="2777922"/>
+            <a:off x="3614737" y="1725338"/>
+            <a:ext cx="1914525" cy="2065262"/>
           </a:xfrm>
         </p:spPr>
         <p:txBody>
@@ -11719,25 +11668,6 @@
                 <a:latin typeface="Cabrito Semi Norm Light" panose="02000503040000020004" pitchFamily="50" charset="0"/>
               </a:rPr>
               <a:t>LAMPP</a:t>
-            </a:r>
-            <a:endParaRPr lang="it-IT" altLang="it-IT" dirty="0" smtClean="0">
-              <a:latin typeface="Cabrito Semi Norm Light" panose="02000503040000020004" pitchFamily="50" charset="0"/>
-            </a:endParaRPr>
-          </a:p>
-          <a:p>
-            <a:pPr marL="457200" indent="-228600" eaLnBrk="1" hangingPunct="1">
-              <a:lnSpc>
-                <a:spcPct val="200000"/>
-              </a:lnSpc>
-              <a:spcBef>
-                <a:spcPct val="0"/>
-              </a:spcBef>
-            </a:pPr>
-            <a:r>
-              <a:rPr lang="it-IT" altLang="it-IT" dirty="0" err="1" smtClean="0">
-                <a:latin typeface="Cabrito Semi Norm Light" panose="02000503040000020004" pitchFamily="50" charset="0"/>
-              </a:rPr>
-              <a:t>Python</a:t>
             </a:r>
             <a:endParaRPr lang="it-IT" altLang="it-IT" dirty="0" smtClean="0">
               <a:latin typeface="Cabrito Semi Norm Light" panose="02000503040000020004" pitchFamily="50" charset="0"/>
@@ -12002,12 +11932,6 @@
               </a:rPr>
               <a:t>Database</a:t>
             </a:r>
-            <a:endParaRPr lang="it-IT" altLang="it-IT" sz="4000" b="1" dirty="0" smtClean="0">
-              <a:ln>
-                <a:noFill/>
-              </a:ln>
-              <a:latin typeface="Cabrito Semi Norm Light" panose="02000503040000020004" pitchFamily="50" charset="0"/>
-            </a:endParaRPr>
           </a:p>
         </p:txBody>
       </p:sp>
@@ -12154,9 +12078,6 @@
               </a:rPr>
               <a:t>Classe Python manager del database.</a:t>
             </a:r>
-            <a:endParaRPr lang="it" dirty="0" smtClean="0">
-              <a:latin typeface="Cabrito Semi Norm Light" panose="02000503040000020004" pitchFamily="50" charset="0"/>
-            </a:endParaRPr>
           </a:p>
           <a:p>
             <a:pPr marL="228600" indent="0" eaLnBrk="1" fontAlgn="auto" hangingPunct="1">
@@ -12304,19 +12225,7 @@
               <a:rPr lang="it-IT" dirty="0" smtClean="0">
                 <a:latin typeface="Cabrito Semi Norm Light" panose="02000503040000020004" pitchFamily="50" charset="0"/>
               </a:rPr>
-              <a:t>(self</a:t>
-            </a:r>
-            <a:r>
-              <a:rPr lang="it-IT" dirty="0" smtClean="0">
-                <a:latin typeface="Cabrito Semi Norm Light" panose="02000503040000020004" pitchFamily="50" charset="0"/>
-              </a:rPr>
-              <a:t>, </a:t>
-            </a:r>
-            <a:r>
-              <a:rPr lang="it-IT" dirty="0" smtClean="0">
-                <a:latin typeface="Cabrito Semi Norm Light" panose="02000503040000020004" pitchFamily="50" charset="0"/>
-              </a:rPr>
-              <a:t>nomi)</a:t>
+              <a:t>(self, nomi)</a:t>
             </a:r>
             <a:endParaRPr lang="it-IT" dirty="0">
               <a:latin typeface="Cabrito Semi Norm Light" panose="02000503040000020004" pitchFamily="50" charset="0"/>
